--- a/B.pptx
+++ b/B.pptx
@@ -6,9 +6,10 @@
   </p:sldMasterIdLst>
   <p:sldIdLst>
     <p:sldId id="256" r:id="rId2"/>
-    <p:sldId id="257" r:id="rId3"/>
-    <p:sldId id="258" r:id="rId4"/>
-    <p:sldId id="259" r:id="rId5"/>
+    <p:sldId id="259" r:id="rId3"/>
+    <p:sldId id="257" r:id="rId4"/>
+    <p:sldId id="260" r:id="rId5"/>
+    <p:sldId id="258" r:id="rId6"/>
   </p:sldIdLst>
   <p:sldSz cx="12192000" cy="6858000"/>
   <p:notesSz cx="6858000" cy="9144000"/>
@@ -107,6 +108,11 @@
       </a:defRPr>
     </a:lvl9pPr>
   </p:defaultTextStyle>
+  <p:extLst>
+    <p:ext uri="{EFAFB233-063F-42B5-8137-9DF3F51BA10A}">
+      <p15:sldGuideLst xmlns:p15="http://schemas.microsoft.com/office/powerpoint/2012/main"/>
+    </p:ext>
+  </p:extLst>
 </p:presentation>
 </file>
 
@@ -257,7 +263,7 @@
           <a:p>
             <a:fld id="{F51D0CDE-C2A0-4597-9000-E3CD0F1CC16A}" type="datetimeFigureOut">
               <a:rPr kumimoji="1" lang="ja-JP" altLang="en-US" smtClean="0"/>
-              <a:t>2026/1/20</a:t>
+              <a:t>2026/1/21</a:t>
             </a:fld>
             <a:endParaRPr kumimoji="1" lang="ja-JP" altLang="en-US"/>
           </a:p>
@@ -487,7 +493,7 @@
           <a:p>
             <a:fld id="{F51D0CDE-C2A0-4597-9000-E3CD0F1CC16A}" type="datetimeFigureOut">
               <a:rPr kumimoji="1" lang="ja-JP" altLang="en-US" smtClean="0"/>
-              <a:t>2026/1/20</a:t>
+              <a:t>2026/1/21</a:t>
             </a:fld>
             <a:endParaRPr kumimoji="1" lang="ja-JP" altLang="en-US"/>
           </a:p>
@@ -727,7 +733,7 @@
           <a:p>
             <a:fld id="{F51D0CDE-C2A0-4597-9000-E3CD0F1CC16A}" type="datetimeFigureOut">
               <a:rPr kumimoji="1" lang="ja-JP" altLang="en-US" smtClean="0"/>
-              <a:t>2026/1/20</a:t>
+              <a:t>2026/1/21</a:t>
             </a:fld>
             <a:endParaRPr kumimoji="1" lang="ja-JP" altLang="en-US"/>
           </a:p>
@@ -957,7 +963,7 @@
           <a:p>
             <a:fld id="{F51D0CDE-C2A0-4597-9000-E3CD0F1CC16A}" type="datetimeFigureOut">
               <a:rPr kumimoji="1" lang="ja-JP" altLang="en-US" smtClean="0"/>
-              <a:t>2026/1/20</a:t>
+              <a:t>2026/1/21</a:t>
             </a:fld>
             <a:endParaRPr kumimoji="1" lang="ja-JP" altLang="en-US"/>
           </a:p>
@@ -1232,7 +1238,7 @@
           <a:p>
             <a:fld id="{F51D0CDE-C2A0-4597-9000-E3CD0F1CC16A}" type="datetimeFigureOut">
               <a:rPr kumimoji="1" lang="ja-JP" altLang="en-US" smtClean="0"/>
-              <a:t>2026/1/20</a:t>
+              <a:t>2026/1/21</a:t>
             </a:fld>
             <a:endParaRPr kumimoji="1" lang="ja-JP" altLang="en-US"/>
           </a:p>
@@ -1561,7 +1567,7 @@
           <a:p>
             <a:fld id="{F51D0CDE-C2A0-4597-9000-E3CD0F1CC16A}" type="datetimeFigureOut">
               <a:rPr kumimoji="1" lang="ja-JP" altLang="en-US" smtClean="0"/>
-              <a:t>2026/1/20</a:t>
+              <a:t>2026/1/21</a:t>
             </a:fld>
             <a:endParaRPr kumimoji="1" lang="ja-JP" altLang="en-US"/>
           </a:p>
@@ -2037,7 +2043,7 @@
           <a:p>
             <a:fld id="{F51D0CDE-C2A0-4597-9000-E3CD0F1CC16A}" type="datetimeFigureOut">
               <a:rPr kumimoji="1" lang="ja-JP" altLang="en-US" smtClean="0"/>
-              <a:t>2026/1/20</a:t>
+              <a:t>2026/1/21</a:t>
             </a:fld>
             <a:endParaRPr kumimoji="1" lang="ja-JP" altLang="en-US"/>
           </a:p>
@@ -2178,7 +2184,7 @@
           <a:p>
             <a:fld id="{F51D0CDE-C2A0-4597-9000-E3CD0F1CC16A}" type="datetimeFigureOut">
               <a:rPr kumimoji="1" lang="ja-JP" altLang="en-US" smtClean="0"/>
-              <a:t>2026/1/20</a:t>
+              <a:t>2026/1/21</a:t>
             </a:fld>
             <a:endParaRPr kumimoji="1" lang="ja-JP" altLang="en-US"/>
           </a:p>
@@ -2291,7 +2297,7 @@
           <a:p>
             <a:fld id="{F51D0CDE-C2A0-4597-9000-E3CD0F1CC16A}" type="datetimeFigureOut">
               <a:rPr kumimoji="1" lang="ja-JP" altLang="en-US" smtClean="0"/>
-              <a:t>2026/1/20</a:t>
+              <a:t>2026/1/21</a:t>
             </a:fld>
             <a:endParaRPr kumimoji="1" lang="ja-JP" altLang="en-US"/>
           </a:p>
@@ -2634,7 +2640,7 @@
           <a:p>
             <a:fld id="{F51D0CDE-C2A0-4597-9000-E3CD0F1CC16A}" type="datetimeFigureOut">
               <a:rPr kumimoji="1" lang="ja-JP" altLang="en-US" smtClean="0"/>
-              <a:t>2026/1/20</a:t>
+              <a:t>2026/1/21</a:t>
             </a:fld>
             <a:endParaRPr kumimoji="1" lang="ja-JP" altLang="en-US"/>
           </a:p>
@@ -2922,7 +2928,7 @@
           <a:p>
             <a:fld id="{F51D0CDE-C2A0-4597-9000-E3CD0F1CC16A}" type="datetimeFigureOut">
               <a:rPr kumimoji="1" lang="ja-JP" altLang="en-US" smtClean="0"/>
-              <a:t>2026/1/20</a:t>
+              <a:t>2026/1/21</a:t>
             </a:fld>
             <a:endParaRPr kumimoji="1" lang="ja-JP" altLang="en-US"/>
           </a:p>
@@ -3195,7 +3201,7 @@
           <a:p>
             <a:fld id="{F51D0CDE-C2A0-4597-9000-E3CD0F1CC16A}" type="datetimeFigureOut">
               <a:rPr kumimoji="1" lang="ja-JP" altLang="en-US" smtClean="0"/>
-              <a:t>2026/1/20</a:t>
+              <a:t>2026/1/21</a:t>
             </a:fld>
             <a:endParaRPr kumimoji="1" lang="ja-JP" altLang="en-US"/>
           </a:p>
@@ -3735,6 +3741,123 @@
         <p:cNvPr id="1" name="">
           <a:extLst>
             <a:ext uri="{FF2B5EF4-FFF2-40B4-BE49-F238E27FC236}">
+              <a16:creationId xmlns:a16="http://schemas.microsoft.com/office/drawing/2014/main" id="{DCED0330-D772-AB8D-FE06-A9C425DCB2F0}"/>
+            </a:ext>
+          </a:extLst>
+        </p:cNvPr>
+        <p:cNvGrpSpPr/>
+        <p:nvPr/>
+      </p:nvGrpSpPr>
+      <p:grpSpPr>
+        <a:xfrm>
+          <a:off x="0" y="0"/>
+          <a:ext cx="0" cy="0"/>
+          <a:chOff x="0" y="0"/>
+          <a:chExt cx="0" cy="0"/>
+        </a:xfrm>
+      </p:grpSpPr>
+      <p:sp>
+        <p:nvSpPr>
+          <p:cNvPr id="4" name="二等辺三角形 3">
+            <a:extLst>
+              <a:ext uri="{FF2B5EF4-FFF2-40B4-BE49-F238E27FC236}">
+                <a16:creationId xmlns:a16="http://schemas.microsoft.com/office/drawing/2014/main" id="{326923EA-6210-9541-C986-84BE7AC92BFB}"/>
+              </a:ext>
+            </a:extLst>
+          </p:cNvPr>
+          <p:cNvSpPr/>
+          <p:nvPr/>
+        </p:nvSpPr>
+        <p:spPr>
+          <a:xfrm>
+            <a:off x="8278585" y="2024744"/>
+            <a:ext cx="2669722" cy="2669722"/>
+          </a:xfrm>
+          <a:prstGeom prst="triangle">
+            <a:avLst/>
+          </a:prstGeom>
+        </p:spPr>
+        <p:style>
+          <a:lnRef idx="2">
+            <a:schemeClr val="accent1">
+              <a:shade val="15000"/>
+            </a:schemeClr>
+          </a:lnRef>
+          <a:fillRef idx="1">
+            <a:schemeClr val="accent1"/>
+          </a:fillRef>
+          <a:effectRef idx="0">
+            <a:schemeClr val="accent1"/>
+          </a:effectRef>
+          <a:fontRef idx="minor">
+            <a:schemeClr val="lt1"/>
+          </a:fontRef>
+        </p:style>
+        <p:txBody>
+          <a:bodyPr rtlCol="0" anchor="ctr"/>
+          <a:lstStyle/>
+          <a:p>
+            <a:pPr algn="ctr"/>
+            <a:endParaRPr kumimoji="1" lang="ja-JP" altLang="en-US"/>
+          </a:p>
+        </p:txBody>
+      </p:sp>
+      <p:sp>
+        <p:nvSpPr>
+          <p:cNvPr id="5" name="テキスト ボックス 4">
+            <a:extLst>
+              <a:ext uri="{FF2B5EF4-FFF2-40B4-BE49-F238E27FC236}">
+                <a16:creationId xmlns:a16="http://schemas.microsoft.com/office/drawing/2014/main" id="{468CAC6F-275E-AB05-E5F0-9CD8801637D4}"/>
+              </a:ext>
+            </a:extLst>
+          </p:cNvPr>
+          <p:cNvSpPr txBox="1"/>
+          <p:nvPr/>
+        </p:nvSpPr>
+        <p:spPr>
+          <a:xfrm>
+            <a:off x="1624692" y="3244334"/>
+            <a:ext cx="3647152" cy="369332"/>
+          </a:xfrm>
+          <a:prstGeom prst="rect">
+            <a:avLst/>
+          </a:prstGeom>
+          <a:noFill/>
+        </p:spPr>
+        <p:txBody>
+          <a:bodyPr wrap="none" rtlCol="0">
+            <a:spAutoFit/>
+          </a:bodyPr>
+          <a:lstStyle/>
+          <a:p>
+            <a:r>
+              <a:rPr kumimoji="1" lang="ja-JP" altLang="en-US" dirty="0"/>
+              <a:t>あいうえ尾かきくけこさしすせそ</a:t>
+            </a:r>
+          </a:p>
+        </p:txBody>
+      </p:sp>
+    </p:spTree>
+    <p:extLst>
+      <p:ext uri="{BB962C8B-B14F-4D97-AF65-F5344CB8AC3E}">
+        <p14:creationId xmlns:p14="http://schemas.microsoft.com/office/powerpoint/2010/main" val="3733268342"/>
+      </p:ext>
+    </p:extLst>
+  </p:cSld>
+  <p:clrMapOvr>
+    <a:masterClrMapping/>
+  </p:clrMapOvr>
+</p:sld>
+</file>
+
+<file path=ppt/slides/slide3.xml><?xml version="1.0" encoding="utf-8"?>
+<p:sld xmlns:a="http://schemas.openxmlformats.org/drawingml/2006/main" xmlns:r="http://schemas.openxmlformats.org/officeDocument/2006/relationships" xmlns:p="http://schemas.openxmlformats.org/presentationml/2006/main">
+  <p:cSld>
+    <p:spTree>
+      <p:nvGrpSpPr>
+        <p:cNvPr id="1" name="">
+          <a:extLst>
+            <a:ext uri="{FF2B5EF4-FFF2-40B4-BE49-F238E27FC236}">
               <a16:creationId xmlns:a16="http://schemas.microsoft.com/office/drawing/2014/main" id="{058DA43D-C5FD-8918-0CD5-23EFD120D6D2}"/>
             </a:ext>
           </a:extLst>
@@ -3849,7 +3972,87 @@
 </p:sld>
 </file>
 
-<file path=ppt/slides/slide3.xml><?xml version="1.0" encoding="utf-8"?>
+<file path=ppt/slides/slide4.xml><?xml version="1.0" encoding="utf-8"?>
+<p:sld xmlns:a="http://schemas.openxmlformats.org/drawingml/2006/main" xmlns:r="http://schemas.openxmlformats.org/officeDocument/2006/relationships" xmlns:p="http://schemas.openxmlformats.org/presentationml/2006/main">
+  <p:cSld>
+    <p:spTree>
+      <p:nvGrpSpPr>
+        <p:cNvPr id="1" name=""/>
+        <p:cNvGrpSpPr/>
+        <p:nvPr/>
+      </p:nvGrpSpPr>
+      <p:grpSpPr>
+        <a:xfrm>
+          <a:off x="0" y="0"/>
+          <a:ext cx="0" cy="0"/>
+          <a:chOff x="0" y="0"/>
+          <a:chExt cx="0" cy="0"/>
+        </a:xfrm>
+      </p:grpSpPr>
+      <p:sp>
+        <p:nvSpPr>
+          <p:cNvPr id="2" name="タイトル 1">
+            <a:extLst>
+              <a:ext uri="{FF2B5EF4-FFF2-40B4-BE49-F238E27FC236}">
+                <a16:creationId xmlns:a16="http://schemas.microsoft.com/office/drawing/2014/main" id="{B2FEBB2E-75E8-977C-99E8-12A51355A451}"/>
+              </a:ext>
+            </a:extLst>
+          </p:cNvPr>
+          <p:cNvSpPr>
+            <a:spLocks noGrp="1"/>
+          </p:cNvSpPr>
+          <p:nvPr>
+            <p:ph type="title"/>
+          </p:nvPr>
+        </p:nvSpPr>
+        <p:spPr/>
+        <p:txBody>
+          <a:bodyPr/>
+          <a:lstStyle/>
+          <a:p>
+            <a:endParaRPr kumimoji="1" lang="ja-JP" altLang="en-US"/>
+          </a:p>
+        </p:txBody>
+      </p:sp>
+      <p:sp>
+        <p:nvSpPr>
+          <p:cNvPr id="3" name="コンテンツ プレースホルダー 2">
+            <a:extLst>
+              <a:ext uri="{FF2B5EF4-FFF2-40B4-BE49-F238E27FC236}">
+                <a16:creationId xmlns:a16="http://schemas.microsoft.com/office/drawing/2014/main" id="{99A832B6-66F1-9DE4-C30C-E0A8A0BFEEC3}"/>
+              </a:ext>
+            </a:extLst>
+          </p:cNvPr>
+          <p:cNvSpPr>
+            <a:spLocks noGrp="1"/>
+          </p:cNvSpPr>
+          <p:nvPr>
+            <p:ph idx="1"/>
+          </p:nvPr>
+        </p:nvSpPr>
+        <p:spPr/>
+        <p:txBody>
+          <a:bodyPr/>
+          <a:lstStyle/>
+          <a:p>
+            <a:endParaRPr kumimoji="1" lang="ja-JP" altLang="en-US"/>
+          </a:p>
+        </p:txBody>
+      </p:sp>
+    </p:spTree>
+    <p:extLst>
+      <p:ext uri="{BB962C8B-B14F-4D97-AF65-F5344CB8AC3E}">
+        <p14:creationId xmlns:p14="http://schemas.microsoft.com/office/powerpoint/2010/main" val="2095428298"/>
+      </p:ext>
+    </p:extLst>
+  </p:cSld>
+  <p:clrMapOvr>
+    <a:masterClrMapping/>
+  </p:clrMapOvr>
+</p:sld>
+</file>
+
+<file path=ppt/slides/slide5.xml><?xml version="1.0" encoding="utf-8"?>
 <p:sld xmlns:a="http://schemas.openxmlformats.org/drawingml/2006/main" xmlns:r="http://schemas.openxmlformats.org/officeDocument/2006/relationships" xmlns:p="http://schemas.openxmlformats.org/presentationml/2006/main">
   <p:cSld>
     <p:spTree>
@@ -3957,123 +4160,6 @@
     <p:extLst>
       <p:ext uri="{BB962C8B-B14F-4D97-AF65-F5344CB8AC3E}">
         <p14:creationId xmlns:p14="http://schemas.microsoft.com/office/powerpoint/2010/main" val="933689912"/>
-      </p:ext>
-    </p:extLst>
-  </p:cSld>
-  <p:clrMapOvr>
-    <a:masterClrMapping/>
-  </p:clrMapOvr>
-</p:sld>
-</file>
-
-<file path=ppt/slides/slide4.xml><?xml version="1.0" encoding="utf-8"?>
-<p:sld xmlns:a="http://schemas.openxmlformats.org/drawingml/2006/main" xmlns:r="http://schemas.openxmlformats.org/officeDocument/2006/relationships" xmlns:p="http://schemas.openxmlformats.org/presentationml/2006/main">
-  <p:cSld>
-    <p:spTree>
-      <p:nvGrpSpPr>
-        <p:cNvPr id="1" name="">
-          <a:extLst>
-            <a:ext uri="{FF2B5EF4-FFF2-40B4-BE49-F238E27FC236}">
-              <a16:creationId xmlns:a16="http://schemas.microsoft.com/office/drawing/2014/main" id="{DCED0330-D772-AB8D-FE06-A9C425DCB2F0}"/>
-            </a:ext>
-          </a:extLst>
-        </p:cNvPr>
-        <p:cNvGrpSpPr/>
-        <p:nvPr/>
-      </p:nvGrpSpPr>
-      <p:grpSpPr>
-        <a:xfrm>
-          <a:off x="0" y="0"/>
-          <a:ext cx="0" cy="0"/>
-          <a:chOff x="0" y="0"/>
-          <a:chExt cx="0" cy="0"/>
-        </a:xfrm>
-      </p:grpSpPr>
-      <p:sp>
-        <p:nvSpPr>
-          <p:cNvPr id="4" name="二等辺三角形 3">
-            <a:extLst>
-              <a:ext uri="{FF2B5EF4-FFF2-40B4-BE49-F238E27FC236}">
-                <a16:creationId xmlns:a16="http://schemas.microsoft.com/office/drawing/2014/main" id="{326923EA-6210-9541-C986-84BE7AC92BFB}"/>
-              </a:ext>
-            </a:extLst>
-          </p:cNvPr>
-          <p:cNvSpPr/>
-          <p:nvPr/>
-        </p:nvSpPr>
-        <p:spPr>
-          <a:xfrm>
-            <a:off x="8278585" y="2024744"/>
-            <a:ext cx="2669722" cy="2669722"/>
-          </a:xfrm>
-          <a:prstGeom prst="triangle">
-            <a:avLst/>
-          </a:prstGeom>
-        </p:spPr>
-        <p:style>
-          <a:lnRef idx="2">
-            <a:schemeClr val="accent1">
-              <a:shade val="15000"/>
-            </a:schemeClr>
-          </a:lnRef>
-          <a:fillRef idx="1">
-            <a:schemeClr val="accent1"/>
-          </a:fillRef>
-          <a:effectRef idx="0">
-            <a:schemeClr val="accent1"/>
-          </a:effectRef>
-          <a:fontRef idx="minor">
-            <a:schemeClr val="lt1"/>
-          </a:fontRef>
-        </p:style>
-        <p:txBody>
-          <a:bodyPr rtlCol="0" anchor="ctr"/>
-          <a:lstStyle/>
-          <a:p>
-            <a:pPr algn="ctr"/>
-            <a:endParaRPr kumimoji="1" lang="ja-JP" altLang="en-US"/>
-          </a:p>
-        </p:txBody>
-      </p:sp>
-      <p:sp>
-        <p:nvSpPr>
-          <p:cNvPr id="5" name="テキスト ボックス 4">
-            <a:extLst>
-              <a:ext uri="{FF2B5EF4-FFF2-40B4-BE49-F238E27FC236}">
-                <a16:creationId xmlns:a16="http://schemas.microsoft.com/office/drawing/2014/main" id="{468CAC6F-275E-AB05-E5F0-9CD8801637D4}"/>
-              </a:ext>
-            </a:extLst>
-          </p:cNvPr>
-          <p:cNvSpPr txBox="1"/>
-          <p:nvPr/>
-        </p:nvSpPr>
-        <p:spPr>
-          <a:xfrm>
-            <a:off x="1624692" y="3244334"/>
-            <a:ext cx="3647152" cy="369332"/>
-          </a:xfrm>
-          <a:prstGeom prst="rect">
-            <a:avLst/>
-          </a:prstGeom>
-          <a:noFill/>
-        </p:spPr>
-        <p:txBody>
-          <a:bodyPr wrap="none" rtlCol="0">
-            <a:spAutoFit/>
-          </a:bodyPr>
-          <a:lstStyle/>
-          <a:p>
-            <a:r>
-              <a:rPr kumimoji="1" lang="ja-JP" altLang="en-US" dirty="0"/>
-              <a:t>あいうえ尾かきくけこさしすせそ</a:t>
-            </a:r>
-          </a:p>
-        </p:txBody>
-      </p:sp>
-    </p:spTree>
-    <p:extLst>
-      <p:ext uri="{BB962C8B-B14F-4D97-AF65-F5344CB8AC3E}">
-        <p14:creationId xmlns:p14="http://schemas.microsoft.com/office/powerpoint/2010/main" val="3733268342"/>
       </p:ext>
     </p:extLst>
   </p:cSld>
